--- a/tabu.pptx
+++ b/tabu.pptx
@@ -6353,8 +6353,12 @@
           </a:p>
           <a:p>
             <a:r>
-              <a:rPr lang="it-IT" dirty="0"/>
-              <a:t>Restituendo l’ottimo candidato T4</a:t>
+              <a:rPr lang="it-IT"/>
+              <a:t>Restituisco </a:t>
+            </a:r>
+            <a:r>
+              <a:rPr lang="it-IT" dirty="0"/>
+              <a:t>l’ottimo candidato T4</a:t>
             </a:r>
           </a:p>
         </p:txBody>

--- a/tabu.pptx
+++ b/tabu.pptx
@@ -268,7 +268,7 @@
           <a:p>
             <a:fld id="{87E0D676-E7B4-4F68-B373-7616A494D07B}" type="datetimeFigureOut">
               <a:rPr lang="it-IT" smtClean="0"/>
-              <a:t>30/08/2019</a:t>
+              <a:t>01/09/2019</a:t>
             </a:fld>
             <a:endParaRPr lang="it-IT"/>
           </a:p>
@@ -466,7 +466,7 @@
           <a:p>
             <a:fld id="{87E0D676-E7B4-4F68-B373-7616A494D07B}" type="datetimeFigureOut">
               <a:rPr lang="it-IT" smtClean="0"/>
-              <a:t>30/08/2019</a:t>
+              <a:t>01/09/2019</a:t>
             </a:fld>
             <a:endParaRPr lang="it-IT"/>
           </a:p>
@@ -674,7 +674,7 @@
           <a:p>
             <a:fld id="{87E0D676-E7B4-4F68-B373-7616A494D07B}" type="datetimeFigureOut">
               <a:rPr lang="it-IT" smtClean="0"/>
-              <a:t>30/08/2019</a:t>
+              <a:t>01/09/2019</a:t>
             </a:fld>
             <a:endParaRPr lang="it-IT"/>
           </a:p>
@@ -872,7 +872,7 @@
           <a:p>
             <a:fld id="{87E0D676-E7B4-4F68-B373-7616A494D07B}" type="datetimeFigureOut">
               <a:rPr lang="it-IT" smtClean="0"/>
-              <a:t>30/08/2019</a:t>
+              <a:t>01/09/2019</a:t>
             </a:fld>
             <a:endParaRPr lang="it-IT"/>
           </a:p>
@@ -1147,7 +1147,7 @@
           <a:p>
             <a:fld id="{87E0D676-E7B4-4F68-B373-7616A494D07B}" type="datetimeFigureOut">
               <a:rPr lang="it-IT" smtClean="0"/>
-              <a:t>30/08/2019</a:t>
+              <a:t>01/09/2019</a:t>
             </a:fld>
             <a:endParaRPr lang="it-IT"/>
           </a:p>
@@ -1412,7 +1412,7 @@
           <a:p>
             <a:fld id="{87E0D676-E7B4-4F68-B373-7616A494D07B}" type="datetimeFigureOut">
               <a:rPr lang="it-IT" smtClean="0"/>
-              <a:t>30/08/2019</a:t>
+              <a:t>01/09/2019</a:t>
             </a:fld>
             <a:endParaRPr lang="it-IT"/>
           </a:p>
@@ -1824,7 +1824,7 @@
           <a:p>
             <a:fld id="{87E0D676-E7B4-4F68-B373-7616A494D07B}" type="datetimeFigureOut">
               <a:rPr lang="it-IT" smtClean="0"/>
-              <a:t>30/08/2019</a:t>
+              <a:t>01/09/2019</a:t>
             </a:fld>
             <a:endParaRPr lang="it-IT"/>
           </a:p>
@@ -1965,7 +1965,7 @@
           <a:p>
             <a:fld id="{87E0D676-E7B4-4F68-B373-7616A494D07B}" type="datetimeFigureOut">
               <a:rPr lang="it-IT" smtClean="0"/>
-              <a:t>30/08/2019</a:t>
+              <a:t>01/09/2019</a:t>
             </a:fld>
             <a:endParaRPr lang="it-IT"/>
           </a:p>
@@ -2078,7 +2078,7 @@
           <a:p>
             <a:fld id="{87E0D676-E7B4-4F68-B373-7616A494D07B}" type="datetimeFigureOut">
               <a:rPr lang="it-IT" smtClean="0"/>
-              <a:t>30/08/2019</a:t>
+              <a:t>01/09/2019</a:t>
             </a:fld>
             <a:endParaRPr lang="it-IT"/>
           </a:p>
@@ -2389,7 +2389,7 @@
           <a:p>
             <a:fld id="{87E0D676-E7B4-4F68-B373-7616A494D07B}" type="datetimeFigureOut">
               <a:rPr lang="it-IT" smtClean="0"/>
-              <a:t>30/08/2019</a:t>
+              <a:t>01/09/2019</a:t>
             </a:fld>
             <a:endParaRPr lang="it-IT"/>
           </a:p>
@@ -2677,7 +2677,7 @@
           <a:p>
             <a:fld id="{87E0D676-E7B4-4F68-B373-7616A494D07B}" type="datetimeFigureOut">
               <a:rPr lang="it-IT" smtClean="0"/>
-              <a:t>30/08/2019</a:t>
+              <a:t>01/09/2019</a:t>
             </a:fld>
             <a:endParaRPr lang="it-IT"/>
           </a:p>
@@ -2918,7 +2918,7 @@
           <a:p>
             <a:fld id="{87E0D676-E7B4-4F68-B373-7616A494D07B}" type="datetimeFigureOut">
               <a:rPr lang="it-IT" smtClean="0"/>
-              <a:t>30/08/2019</a:t>
+              <a:t>01/09/2019</a:t>
             </a:fld>
             <a:endParaRPr lang="it-IT"/>
           </a:p>
@@ -8003,7 +8003,7 @@
             </a:r>
             <a:r>
               <a:rPr lang="it-IT" dirty="0"/>
-              <a:t>=-105</a:t>
+              <a:t>=-110</a:t>
             </a:r>
           </a:p>
           <a:p>
